--- a/Presentation/Παρουσίαση Διπλωματικής Εργασίας.pptx
+++ b/Presentation/Παρουσίαση Διπλωματικής Εργασίας.pptx
@@ -249,7 +249,7 @@
           <a:p>
             <a:fld id="{20EA5F0D-C1DC-412F-A146-DDB3A74B588F}" type="datetimeFigureOut">
               <a:rPr lang="en-US"/>
-              <a:t>2/27/2018</a:t>
+              <a:t>2/28/2018</a:t>
             </a:fld>
             <a:endParaRPr/>
           </a:p>
@@ -414,7 +414,7 @@
           <a:p>
             <a:fld id="{A8CDE508-72C8-4AB5-AA9C-1584D31690E0}" type="datetimeFigureOut">
               <a:rPr lang="en-US"/>
-              <a:t>2/27/2018</a:t>
+              <a:t>2/28/2018</a:t>
             </a:fld>
             <a:endParaRPr/>
           </a:p>
@@ -812,7 +812,7 @@
           <a:p>
             <a:fld id="{0ADB4327-F9B4-45A7-AD91-E1A9C99222D6}" type="datetimeFigureOut">
               <a:rPr lang="en-US" smtClean="0"/>
-              <a:t>2/27/2018</a:t>
+              <a:t>2/28/2018</a:t>
             </a:fld>
             <a:endParaRPr lang="en-US"/>
           </a:p>
@@ -1001,7 +1001,7 @@
           <a:p>
             <a:fld id="{FDE056B7-329B-4E98-A7DE-1095F29C9987}" type="datetime1">
               <a:rPr lang="en-US" smtClean="0"/>
-              <a:t>2/27/2018</a:t>
+              <a:t>2/28/2018</a:t>
             </a:fld>
             <a:endParaRPr lang="en-US"/>
           </a:p>
@@ -1204,7 +1204,7 @@
           <a:p>
             <a:fld id="{6B30EAD2-84F0-424D-85FA-C85CE5D7B84D}" type="datetime1">
               <a:rPr lang="en-US" smtClean="0"/>
-              <a:t>2/27/2018</a:t>
+              <a:t>2/28/2018</a:t>
             </a:fld>
             <a:endParaRPr lang="en-US"/>
           </a:p>
@@ -1397,7 +1397,7 @@
           <a:p>
             <a:fld id="{7272A335-28DE-461F-86D4-4A540BEA59B0}" type="datetime1">
               <a:rPr lang="en-US" smtClean="0"/>
-              <a:t>2/27/2018</a:t>
+              <a:t>2/28/2018</a:t>
             </a:fld>
             <a:endParaRPr lang="en-US"/>
           </a:p>
@@ -1664,7 +1664,7 @@
           <a:p>
             <a:fld id="{EA5CF9C1-51F7-4E92-A279-1FFCE980DDD9}" type="datetime1">
               <a:rPr lang="en-US" smtClean="0"/>
-              <a:t>2/27/2018</a:t>
+              <a:t>2/28/2018</a:t>
             </a:fld>
             <a:endParaRPr lang="en-US"/>
           </a:p>
@@ -1919,7 +1919,7 @@
           <a:p>
             <a:fld id="{DC1A038D-FDC8-4BB1-AD53-DEF36236CCF5}" type="datetime1">
               <a:rPr lang="en-US" smtClean="0"/>
-              <a:t>2/27/2018</a:t>
+              <a:t>2/28/2018</a:t>
             </a:fld>
             <a:endParaRPr lang="en-US"/>
           </a:p>
@@ -2309,7 +2309,7 @@
           <a:p>
             <a:fld id="{E13729E3-7C8F-407D-B4C1-8AD873D40758}" type="datetime1">
               <a:rPr lang="en-US" smtClean="0"/>
-              <a:t>2/27/2018</a:t>
+              <a:t>2/28/2018</a:t>
             </a:fld>
             <a:endParaRPr lang="en-US"/>
           </a:p>
@@ -2450,7 +2450,7 @@
           <a:p>
             <a:fld id="{0D0605C7-DA32-47E3-8E60-0B60D86BAF89}" type="datetime1">
               <a:rPr lang="en-US" smtClean="0"/>
-              <a:t>2/27/2018</a:t>
+              <a:t>2/28/2018</a:t>
             </a:fld>
             <a:endParaRPr lang="en-US"/>
           </a:p>
@@ -2568,7 +2568,7 @@
           <a:p>
             <a:fld id="{CA89260F-252E-49E9-8B36-9D774100BA25}" type="datetime1">
               <a:rPr lang="en-US" smtClean="0"/>
-              <a:t>2/27/2018</a:t>
+              <a:t>2/28/2018</a:t>
             </a:fld>
             <a:endParaRPr lang="en-US"/>
           </a:p>
@@ -2868,7 +2868,7 @@
           <a:p>
             <a:fld id="{2AB5DA44-6BB8-4FCD-946A-1E2EFA3D1A5F}" type="datetime1">
               <a:rPr lang="en-US" smtClean="0"/>
-              <a:t>2/27/2018</a:t>
+              <a:t>2/28/2018</a:t>
             </a:fld>
             <a:endParaRPr lang="en-US"/>
           </a:p>
@@ -3148,7 +3148,7 @@
           <a:p>
             <a:fld id="{5052C8DE-E6DB-42D9-BE6D-D9F39E19B42A}" type="datetime1">
               <a:rPr lang="en-US" smtClean="0"/>
-              <a:t>2/27/2018</a:t>
+              <a:t>2/28/2018</a:t>
             </a:fld>
             <a:endParaRPr lang="en-US"/>
           </a:p>
@@ -3385,7 +3385,7 @@
             <a:fld id="{2A66FFC4-1542-4DAA-837B-D6921D33E8CC}" type="datetime1">
               <a:rPr lang="en-US" smtClean="0"/>
               <a:pPr/>
-              <a:t>2/27/2018</a:t>
+              <a:t>2/28/2018</a:t>
             </a:fld>
             <a:endParaRPr lang="en-US"/>
           </a:p>
@@ -3925,6 +3925,54 @@
           </a:extLst>
         </p:spPr>
       </p:pic>
+      <p:sp>
+        <p:nvSpPr>
+          <p:cNvPr id="3" name="TextBox 2"/>
+          <p:cNvSpPr txBox="1"/>
+          <p:nvPr/>
+        </p:nvSpPr>
+        <p:spPr>
+          <a:xfrm>
+            <a:off x="2042984" y="5569449"/>
+            <a:ext cx="6199902" cy="369332"/>
+          </a:xfrm>
+          <a:prstGeom prst="rect">
+            <a:avLst/>
+          </a:prstGeom>
+          <a:noFill/>
+        </p:spPr>
+        <p:txBody>
+          <a:bodyPr wrap="none" rtlCol="0">
+            <a:spAutoFit/>
+          </a:bodyPr>
+          <a:lstStyle/>
+          <a:p>
+            <a:r>
+              <a:rPr lang="en-US" dirty="0" smtClean="0"/>
+              <a:t>Link </a:t>
+            </a:r>
+            <a:r>
+              <a:rPr lang="el-GR" dirty="0" smtClean="0"/>
+              <a:t>του </a:t>
+            </a:r>
+            <a:r>
+              <a:rPr lang="en-US" dirty="0" smtClean="0"/>
+              <a:t>demo </a:t>
+            </a:r>
+            <a:r>
+              <a:rPr lang="el-GR" dirty="0" smtClean="0"/>
+              <a:t>της εφαρμογής: </a:t>
+            </a:r>
+            <a:r>
+              <a:rPr lang="en-US" dirty="0">
+                <a:hlinkClick r:id="rId3"/>
+              </a:rPr>
+              <a:t>https://youtu.be/Zcdm52Uow8g</a:t>
+            </a:r>
+            <a:endParaRPr lang="en-US" dirty="0"/>
+          </a:p>
+        </p:txBody>
+      </p:sp>
     </p:spTree>
     <p:extLst>
       <p:ext uri="{BB962C8B-B14F-4D97-AF65-F5344CB8AC3E}">
@@ -4011,8 +4059,8 @@
           </a:p>
         </p:txBody>
       </p:sp>
-      <mc:AlternateContent xmlns:mc="http://schemas.openxmlformats.org/markup-compatibility/2006">
-        <mc:Choice xmlns:a14="http://schemas.microsoft.com/office/drawing/2010/main" Requires="a14">
+      <mc:AlternateContent xmlns:mc="http://schemas.openxmlformats.org/markup-compatibility/2006" xmlns:a14="http://schemas.microsoft.com/office/drawing/2010/main">
+        <mc:Choice Requires="a14">
           <p:sp>
             <p:nvSpPr>
               <p:cNvPr id="3" name="Content Placeholder 2"/>
@@ -4390,7 +4438,7 @@
             </p:txBody>
           </p:sp>
         </mc:Choice>
-        <mc:Fallback>
+        <mc:Fallback xmlns="">
           <p:sp>
             <p:nvSpPr>
               <p:cNvPr id="3" name="Content Placeholder 2"/>
@@ -7544,42 +7592,21 @@
                 <a:latin typeface="Times New Roman" panose="02020603050405020304" pitchFamily="18" charset="0"/>
                 <a:cs typeface="Times New Roman" panose="02020603050405020304" pitchFamily="18" charset="0"/>
               </a:rPr>
-              <a:t>Το </a:t>
+              <a:t>Το έξυπνο συμβόλαιο </a:t>
+            </a:r>
+            <a:r>
+              <a:rPr lang="en-US" sz="2200" dirty="0">
+                <a:latin typeface="Times New Roman" panose="02020603050405020304" pitchFamily="18" charset="0"/>
+                <a:cs typeface="Times New Roman" panose="02020603050405020304" pitchFamily="18" charset="0"/>
+              </a:rPr>
+              <a:t>Broker </a:t>
             </a:r>
             <a:r>
               <a:rPr lang="el-GR" sz="2200" dirty="0">
                 <a:latin typeface="Times New Roman" panose="02020603050405020304" pitchFamily="18" charset="0"/>
                 <a:cs typeface="Times New Roman" panose="02020603050405020304" pitchFamily="18" charset="0"/>
               </a:rPr>
-              <a:t>έξυπνο συμβόλαιο </a:t>
-            </a:r>
-            <a:r>
-              <a:rPr lang="en-US" sz="2200" dirty="0">
-                <a:latin typeface="Times New Roman" panose="02020603050405020304" pitchFamily="18" charset="0"/>
-                <a:cs typeface="Times New Roman" panose="02020603050405020304" pitchFamily="18" charset="0"/>
-              </a:rPr>
-              <a:t>Broker </a:t>
-            </a:r>
-            <a:r>
-              <a:rPr lang="el-GR" sz="2200" dirty="0">
-                <a:latin typeface="Times New Roman" panose="02020603050405020304" pitchFamily="18" charset="0"/>
-                <a:cs typeface="Times New Roman" panose="02020603050405020304" pitchFamily="18" charset="0"/>
-              </a:rPr>
-              <a:t>υλοποιεί την </a:t>
-            </a:r>
-            <a:r>
-              <a:rPr lang="el-GR" sz="2200" dirty="0">
-                <a:latin typeface="Times New Roman" panose="02020603050405020304" pitchFamily="18" charset="0"/>
-                <a:cs typeface="Times New Roman" panose="02020603050405020304" pitchFamily="18" charset="0"/>
-              </a:rPr>
-              <a:t>λειτουργικότητα που αφορά την διαχείριση των </a:t>
-            </a:r>
-            <a:r>
-              <a:rPr lang="el-GR" sz="2200" dirty="0">
-                <a:latin typeface="Times New Roman" panose="02020603050405020304" pitchFamily="18" charset="0"/>
-                <a:cs typeface="Times New Roman" panose="02020603050405020304" pitchFamily="18" charset="0"/>
-              </a:rPr>
-              <a:t>αισθητήρων.</a:t>
+              <a:t>υλοποιεί την λειτουργικότητα που αφορά την διαχείριση των αισθητήρων.</a:t>
             </a:r>
             <a:r>
               <a:rPr lang="en-US" sz="2200" dirty="0">
@@ -8456,63 +8483,35 @@
                 <a:latin typeface="Times New Roman" panose="02020603050405020304" pitchFamily="18" charset="0"/>
                 <a:cs typeface="Times New Roman" panose="02020603050405020304" pitchFamily="18" charset="0"/>
               </a:rPr>
-              <a:t>Ερμηνεία</a:t>
+              <a:t>Ερμηνεία: Το </a:t>
+            </a:r>
+            <a:r>
+              <a:rPr lang="en-US" sz="2200" dirty="0">
+                <a:latin typeface="Times New Roman" panose="02020603050405020304" pitchFamily="18" charset="0"/>
+                <a:cs typeface="Times New Roman" panose="02020603050405020304" pitchFamily="18" charset="0"/>
+              </a:rPr>
+              <a:t>blockchain </a:t>
             </a:r>
             <a:r>
               <a:rPr lang="el-GR" sz="2200" dirty="0">
                 <a:latin typeface="Times New Roman" panose="02020603050405020304" pitchFamily="18" charset="0"/>
                 <a:cs typeface="Times New Roman" panose="02020603050405020304" pitchFamily="18" charset="0"/>
               </a:rPr>
-              <a:t>: Το </a:t>
+              <a:t>είναι ένα ψηφιακό, κατανεμημένο, δημόσιο καθολικό (</a:t>
             </a:r>
             <a:r>
               <a:rPr lang="en-US" sz="2200" dirty="0">
                 <a:latin typeface="Times New Roman" panose="02020603050405020304" pitchFamily="18" charset="0"/>
                 <a:cs typeface="Times New Roman" panose="02020603050405020304" pitchFamily="18" charset="0"/>
               </a:rPr>
-              <a:t>blockchain </a:t>
+              <a:t>ledger</a:t>
             </a:r>
             <a:r>
               <a:rPr lang="el-GR" sz="2200" dirty="0">
                 <a:latin typeface="Times New Roman" panose="02020603050405020304" pitchFamily="18" charset="0"/>
                 <a:cs typeface="Times New Roman" panose="02020603050405020304" pitchFamily="18" charset="0"/>
               </a:rPr>
-              <a:t>είναι ένα ψηφιακό, κατανεμημένο, δημόσιο </a:t>
-            </a:r>
-            <a:r>
-              <a:rPr lang="el-GR" sz="2200" dirty="0">
-                <a:latin typeface="Times New Roman" panose="02020603050405020304" pitchFamily="18" charset="0"/>
-                <a:cs typeface="Times New Roman" panose="02020603050405020304" pitchFamily="18" charset="0"/>
-              </a:rPr>
-              <a:t>καθολικό (</a:t>
-            </a:r>
-            <a:r>
-              <a:rPr lang="en-US" sz="2200" dirty="0">
-                <a:latin typeface="Times New Roman" panose="02020603050405020304" pitchFamily="18" charset="0"/>
-                <a:cs typeface="Times New Roman" panose="02020603050405020304" pitchFamily="18" charset="0"/>
-              </a:rPr>
-              <a:t>ledger</a:t>
-            </a:r>
-            <a:r>
-              <a:rPr lang="el-GR" sz="2200" dirty="0">
-                <a:latin typeface="Times New Roman" panose="02020603050405020304" pitchFamily="18" charset="0"/>
-                <a:cs typeface="Times New Roman" panose="02020603050405020304" pitchFamily="18" charset="0"/>
-              </a:rPr>
-              <a:t>) </a:t>
-            </a:r>
-            <a:r>
-              <a:rPr lang="el-GR" sz="2200" dirty="0">
-                <a:latin typeface="Times New Roman" panose="02020603050405020304" pitchFamily="18" charset="0"/>
-                <a:cs typeface="Times New Roman" panose="02020603050405020304" pitchFamily="18" charset="0"/>
-              </a:rPr>
-              <a:t>μέσω του οποίου καταγράφονται με ασφάλεια συναλλαγές, συμφωνίες, </a:t>
-            </a:r>
-            <a:r>
-              <a:rPr lang="el-GR" sz="2200" dirty="0">
-                <a:latin typeface="Times New Roman" panose="02020603050405020304" pitchFamily="18" charset="0"/>
-                <a:cs typeface="Times New Roman" panose="02020603050405020304" pitchFamily="18" charset="0"/>
-              </a:rPr>
-              <a:t>συμβόλαια.</a:t>
+              <a:t>) μέσω του οποίου καταγράφονται με ασφάλεια συναλλαγές, συμφωνίες, συμβόλαια.</a:t>
             </a:r>
           </a:p>
           <a:p>
@@ -9616,19 +9615,8 @@
                 <a:latin typeface="Times New Roman" panose="02020603050405020304" pitchFamily="18" charset="0"/>
                 <a:cs typeface="Times New Roman" panose="02020603050405020304" pitchFamily="18" charset="0"/>
               </a:rPr>
-              <a:t>e</a:t>
-            </a:r>
-            <a:r>
-              <a:rPr lang="en-US" sz="2000" dirty="0">
-                <a:latin typeface="Times New Roman" panose="02020603050405020304" pitchFamily="18" charset="0"/>
-                <a:cs typeface="Times New Roman" panose="02020603050405020304" pitchFamily="18" charset="0"/>
-              </a:rPr>
-              <a:t>therscan.io</a:t>
-            </a:r>
-            <a:endParaRPr lang="en-US" sz="2000" dirty="0">
-              <a:latin typeface="Times New Roman" panose="02020603050405020304" pitchFamily="18" charset="0"/>
-              <a:cs typeface="Times New Roman" panose="02020603050405020304" pitchFamily="18" charset="0"/>
-            </a:endParaRPr>
+              <a:t>etherscan.io</a:t>
+            </a:r>
           </a:p>
         </p:txBody>
       </p:sp>
@@ -10539,89 +10527,50 @@
                 <a:latin typeface="Times New Roman" panose="02020603050405020304" pitchFamily="18" charset="0"/>
                 <a:cs typeface="Times New Roman" panose="02020603050405020304" pitchFamily="18" charset="0"/>
               </a:rPr>
-              <a:t>ο δημιουργός των έξυπνων συμβολαίων μπορεί επιπλέον να αλλάζει την τιμή </a:t>
+              <a:t>ο δημιουργός των έξυπνων συμβολαίων μπορεί επιπλέον να αλλάζει την τιμή σε </a:t>
+            </a:r>
+            <a:r>
+              <a:rPr lang="en-US" sz="2200" dirty="0">
+                <a:latin typeface="Times New Roman" panose="02020603050405020304" pitchFamily="18" charset="0"/>
+                <a:cs typeface="Times New Roman" panose="02020603050405020304" pitchFamily="18" charset="0"/>
+              </a:rPr>
+              <a:t>ether</a:t>
             </a:r>
             <a:r>
               <a:rPr lang="el-GR" sz="2200" dirty="0">
                 <a:latin typeface="Times New Roman" panose="02020603050405020304" pitchFamily="18" charset="0"/>
                 <a:cs typeface="Times New Roman" panose="02020603050405020304" pitchFamily="18" charset="0"/>
               </a:rPr>
-              <a:t>σε </a:t>
+              <a:t> του</a:t>
             </a:r>
             <a:r>
               <a:rPr lang="en-US" sz="2200" dirty="0">
                 <a:latin typeface="Times New Roman" panose="02020603050405020304" pitchFamily="18" charset="0"/>
                 <a:cs typeface="Times New Roman" panose="02020603050405020304" pitchFamily="18" charset="0"/>
               </a:rPr>
-              <a:t>ether</a:t>
+              <a:t> NTUA Token </a:t>
             </a:r>
             <a:r>
               <a:rPr lang="el-GR" sz="2200" dirty="0">
                 <a:latin typeface="Times New Roman" panose="02020603050405020304" pitchFamily="18" charset="0"/>
                 <a:cs typeface="Times New Roman" panose="02020603050405020304" pitchFamily="18" charset="0"/>
               </a:rPr>
-              <a:t> του</a:t>
+              <a:t>και να διαχειρίζεται τους πόρους του συμβολαίου </a:t>
             </a:r>
             <a:r>
               <a:rPr lang="en-US" sz="2200" dirty="0">
                 <a:latin typeface="Times New Roman" panose="02020603050405020304" pitchFamily="18" charset="0"/>
                 <a:cs typeface="Times New Roman" panose="02020603050405020304" pitchFamily="18" charset="0"/>
               </a:rPr>
-              <a:t> NTUA </a:t>
-            </a:r>
-            <a:r>
-              <a:rPr lang="en-US" sz="2200" dirty="0">
-                <a:latin typeface="Times New Roman" panose="02020603050405020304" pitchFamily="18" charset="0"/>
-                <a:cs typeface="Times New Roman" panose="02020603050405020304" pitchFamily="18" charset="0"/>
-              </a:rPr>
-              <a:t>Token</a:t>
-            </a:r>
-            <a:r>
-              <a:rPr lang="en-US" sz="2200" dirty="0">
-                <a:latin typeface="Times New Roman" panose="02020603050405020304" pitchFamily="18" charset="0"/>
-                <a:cs typeface="Times New Roman" panose="02020603050405020304" pitchFamily="18" charset="0"/>
-              </a:rPr>
-              <a:t> </a:t>
+              <a:t>Ntua Token</a:t>
             </a:r>
             <a:r>
               <a:rPr lang="el-GR" sz="2200" dirty="0">
                 <a:latin typeface="Times New Roman" panose="02020603050405020304" pitchFamily="18" charset="0"/>
                 <a:cs typeface="Times New Roman" panose="02020603050405020304" pitchFamily="18" charset="0"/>
               </a:rPr>
-              <a:t>και να διαχειρίζεται τους πόρους </a:t>
-            </a:r>
-            <a:r>
-              <a:rPr lang="el-GR" sz="2200" dirty="0">
-                <a:latin typeface="Times New Roman" panose="02020603050405020304" pitchFamily="18" charset="0"/>
-                <a:cs typeface="Times New Roman" panose="02020603050405020304" pitchFamily="18" charset="0"/>
-              </a:rPr>
-              <a:t>του </a:t>
-            </a:r>
-            <a:r>
-              <a:rPr lang="el-GR" sz="2200" dirty="0">
-                <a:latin typeface="Times New Roman" panose="02020603050405020304" pitchFamily="18" charset="0"/>
-                <a:cs typeface="Times New Roman" panose="02020603050405020304" pitchFamily="18" charset="0"/>
-              </a:rPr>
-              <a:t>συμβολαίου </a:t>
-            </a:r>
-            <a:r>
-              <a:rPr lang="en-US" sz="2200" dirty="0">
-                <a:latin typeface="Times New Roman" panose="02020603050405020304" pitchFamily="18" charset="0"/>
-                <a:cs typeface="Times New Roman" panose="02020603050405020304" pitchFamily="18" charset="0"/>
-              </a:rPr>
-              <a:t>Ntua Token</a:t>
-            </a:r>
-            <a:r>
-              <a:rPr lang="el-GR" sz="2200" dirty="0">
-                <a:latin typeface="Times New Roman" panose="02020603050405020304" pitchFamily="18" charset="0"/>
-                <a:cs typeface="Times New Roman" panose="02020603050405020304" pitchFamily="18" charset="0"/>
-              </a:rPr>
               <a:t>.</a:t>
             </a:r>
-            <a:endParaRPr lang="el-GR" sz="2200" dirty="0">
-              <a:latin typeface="Times New Roman" panose="02020603050405020304" pitchFamily="18" charset="0"/>
-              <a:cs typeface="Times New Roman" panose="02020603050405020304" pitchFamily="18" charset="0"/>
-            </a:endParaRPr>
           </a:p>
         </p:txBody>
       </p:sp>
@@ -10710,10 +10659,6 @@
               </a:rPr>
               <a:t>.</a:t>
             </a:r>
-            <a:endParaRPr lang="en-US" sz="2000" dirty="0">
-              <a:latin typeface="Times New Roman" panose="02020603050405020304" pitchFamily="18" charset="0"/>
-              <a:cs typeface="Times New Roman" panose="02020603050405020304" pitchFamily="18" charset="0"/>
-            </a:endParaRPr>
           </a:p>
         </p:txBody>
       </p:sp>
@@ -10869,10 +10814,6 @@
               </a:rPr>
               <a:t>Ακολουθούν οι ιστοσελίδες που δημιουργήθηκαν για την εφαρμογή, συνοδευόμενες από μία σύντομη περιγραφή.</a:t>
             </a:r>
-            <a:endParaRPr lang="el-GR" sz="2200" dirty="0">
-              <a:latin typeface="Times New Roman" panose="02020603050405020304" pitchFamily="18" charset="0"/>
-              <a:cs typeface="Times New Roman" panose="02020603050405020304" pitchFamily="18" charset="0"/>
-            </a:endParaRPr>
           </a:p>
         </p:txBody>
       </p:sp>
@@ -11045,14 +10986,7 @@
                 <a:latin typeface="Times New Roman" panose="02020603050405020304" pitchFamily="18" charset="0"/>
                 <a:cs typeface="Times New Roman" panose="02020603050405020304" pitchFamily="18" charset="0"/>
               </a:rPr>
-              <a:t>, </a:t>
-            </a:r>
-            <a:r>
-              <a:rPr lang="el-GR" sz="2000" dirty="0">
-                <a:latin typeface="Times New Roman" panose="02020603050405020304" pitchFamily="18" charset="0"/>
-                <a:cs typeface="Times New Roman" panose="02020603050405020304" pitchFamily="18" charset="0"/>
-              </a:rPr>
-              <a:t>από εδώ ο χρήστης μπορεί να αναζητήσει τις αγορές του και να δει τα δεδομένα που αντιστοιχούν σε αυτές</a:t>
+              <a:t>, από εδώ ο χρήστης μπορεί να αναζητήσει τις αγορές του και να δει τα δεδομένα που αντιστοιχούν σε αυτές</a:t>
             </a:r>
             <a:r>
               <a:rPr lang="en-US" sz="2000" dirty="0">
@@ -11061,10 +10995,6 @@
               </a:rPr>
               <a:t>.</a:t>
             </a:r>
-            <a:endParaRPr lang="en-US" sz="2000" dirty="0">
-              <a:latin typeface="Times New Roman" panose="02020603050405020304" pitchFamily="18" charset="0"/>
-              <a:cs typeface="Times New Roman" panose="02020603050405020304" pitchFamily="18" charset="0"/>
-            </a:endParaRPr>
           </a:p>
         </p:txBody>
       </p:sp>
@@ -11371,21 +11301,7 @@
                 <a:latin typeface="Times New Roman" panose="02020603050405020304" pitchFamily="18" charset="0"/>
                 <a:cs typeface="Times New Roman" panose="02020603050405020304" pitchFamily="18" charset="0"/>
               </a:rPr>
-              <a:t>» στην προηγούμενη σελίδα, βλέπει τα δεδομένα </a:t>
-            </a:r>
-            <a:r>
-              <a:rPr lang="el-GR" sz="2000" dirty="0">
-                <a:latin typeface="Times New Roman" panose="02020603050405020304" pitchFamily="18" charset="0"/>
-                <a:cs typeface="Times New Roman" panose="02020603050405020304" pitchFamily="18" charset="0"/>
-              </a:rPr>
-              <a:t>του επιλεγμένου </a:t>
-            </a:r>
-            <a:r>
-              <a:rPr lang="el-GR" sz="2000" dirty="0">
-                <a:latin typeface="Times New Roman" panose="02020603050405020304" pitchFamily="18" charset="0"/>
-                <a:cs typeface="Times New Roman" panose="02020603050405020304" pitchFamily="18" charset="0"/>
-              </a:rPr>
-              <a:t>αισθητήρα που έχει αγοράσει.</a:t>
+              <a:t>» στην προηγούμενη σελίδα, βλέπει τα δεδομένα του επιλεγμένου αισθητήρα που έχει αγοράσει.</a:t>
             </a:r>
             <a:endParaRPr lang="en-US" sz="2000" dirty="0">
               <a:latin typeface="Times New Roman" panose="02020603050405020304" pitchFamily="18" charset="0"/>
@@ -11810,84 +11726,49 @@
                 <a:latin typeface="Times New Roman" panose="02020603050405020304" pitchFamily="18" charset="0"/>
                 <a:cs typeface="Times New Roman" panose="02020603050405020304" pitchFamily="18" charset="0"/>
               </a:rPr>
-              <a:t>σε σχέση </a:t>
+              <a:t>σε σχέση με άλλα κρυπτονομίσματα (πχ. το </a:t>
+            </a:r>
+            <a:r>
+              <a:rPr lang="en-US" sz="2200" dirty="0">
+                <a:latin typeface="Times New Roman" panose="02020603050405020304" pitchFamily="18" charset="0"/>
+                <a:cs typeface="Times New Roman" panose="02020603050405020304" pitchFamily="18" charset="0"/>
+              </a:rPr>
+              <a:t>Bitcoin</a:t>
             </a:r>
             <a:r>
               <a:rPr lang="el-GR" sz="2200" dirty="0">
                 <a:latin typeface="Times New Roman" panose="02020603050405020304" pitchFamily="18" charset="0"/>
                 <a:cs typeface="Times New Roman" panose="02020603050405020304" pitchFamily="18" charset="0"/>
               </a:rPr>
-              <a:t>με άλλα κρυπτονομίσματα (πχ. το </a:t>
+              <a:t>), είναι πως το </a:t>
             </a:r>
             <a:r>
               <a:rPr lang="en-US" sz="2200" dirty="0">
                 <a:latin typeface="Times New Roman" panose="02020603050405020304" pitchFamily="18" charset="0"/>
                 <a:cs typeface="Times New Roman" panose="02020603050405020304" pitchFamily="18" charset="0"/>
               </a:rPr>
-              <a:t>Bitcoin</a:t>
+              <a:t>Ethereum</a:t>
             </a:r>
             <a:r>
               <a:rPr lang="el-GR" sz="2200" dirty="0">
                 <a:latin typeface="Times New Roman" panose="02020603050405020304" pitchFamily="18" charset="0"/>
                 <a:cs typeface="Times New Roman" panose="02020603050405020304" pitchFamily="18" charset="0"/>
               </a:rPr>
-              <a:t>), </a:t>
+              <a:t> αποτελεί μία πιο ευέλικτη και προσαρμόσιμη πλατφόρμα, πάνω στην οποία μπορούν να δημιουργηθούν και να λειτουργήσουν με ασφάλεια αποκεντρωμένες εφαρμογές, ενώ το </a:t>
+            </a:r>
+            <a:r>
+              <a:rPr lang="en-US" sz="2200" dirty="0">
+                <a:latin typeface="Times New Roman" panose="02020603050405020304" pitchFamily="18" charset="0"/>
+                <a:cs typeface="Times New Roman" panose="02020603050405020304" pitchFamily="18" charset="0"/>
+              </a:rPr>
+              <a:t>Bitcoin </a:t>
             </a:r>
             <a:r>
               <a:rPr lang="el-GR" sz="2200" dirty="0">
                 <a:latin typeface="Times New Roman" panose="02020603050405020304" pitchFamily="18" charset="0"/>
                 <a:cs typeface="Times New Roman" panose="02020603050405020304" pitchFamily="18" charset="0"/>
               </a:rPr>
-              <a:t>είναι πως το </a:t>
-            </a:r>
-            <a:r>
-              <a:rPr lang="en-US" sz="2200" dirty="0">
-                <a:latin typeface="Times New Roman" panose="02020603050405020304" pitchFamily="18" charset="0"/>
-                <a:cs typeface="Times New Roman" panose="02020603050405020304" pitchFamily="18" charset="0"/>
-              </a:rPr>
-              <a:t>Ethereum</a:t>
-            </a:r>
-            <a:r>
-              <a:rPr lang="el-GR" sz="2200" dirty="0">
-                <a:latin typeface="Times New Roman" panose="02020603050405020304" pitchFamily="18" charset="0"/>
-                <a:cs typeface="Times New Roman" panose="02020603050405020304" pitchFamily="18" charset="0"/>
-              </a:rPr>
-              <a:t> αποτελεί μία πιο ευέλικτη και προσαρμόσιμη πλατφόρμα, πάνω στην οποία </a:t>
-            </a:r>
-            <a:r>
-              <a:rPr lang="el-GR" sz="2200" dirty="0">
-                <a:latin typeface="Times New Roman" panose="02020603050405020304" pitchFamily="18" charset="0"/>
-                <a:cs typeface="Times New Roman" panose="02020603050405020304" pitchFamily="18" charset="0"/>
-              </a:rPr>
-              <a:t>μπορούν να δημιουργηθούν και να λειτουργήσουν με </a:t>
-            </a:r>
-            <a:r>
-              <a:rPr lang="el-GR" sz="2200" dirty="0">
-                <a:latin typeface="Times New Roman" panose="02020603050405020304" pitchFamily="18" charset="0"/>
-                <a:cs typeface="Times New Roman" panose="02020603050405020304" pitchFamily="18" charset="0"/>
-              </a:rPr>
-              <a:t>ασφάλεια αποκεντρωμένες εφαρμογές, ενώ το </a:t>
-            </a:r>
-            <a:r>
-              <a:rPr lang="en-US" sz="2200" dirty="0">
-                <a:latin typeface="Times New Roman" panose="02020603050405020304" pitchFamily="18" charset="0"/>
-                <a:cs typeface="Times New Roman" panose="02020603050405020304" pitchFamily="18" charset="0"/>
-              </a:rPr>
-              <a:t>Bitcoin </a:t>
-            </a:r>
-            <a:r>
-              <a:rPr lang="el-GR" sz="2200" dirty="0">
-                <a:latin typeface="Times New Roman" panose="02020603050405020304" pitchFamily="18" charset="0"/>
-                <a:cs typeface="Times New Roman" panose="02020603050405020304" pitchFamily="18" charset="0"/>
-              </a:rPr>
-              <a:t>παρέχει μόνο την δυνατότητα (οικονομικών) συναλλαγών </a:t>
-            </a:r>
-            <a:r>
-              <a:rPr lang="el-GR" sz="2200" dirty="0">
-                <a:latin typeface="Times New Roman" panose="02020603050405020304" pitchFamily="18" charset="0"/>
-                <a:cs typeface="Times New Roman" panose="02020603050405020304" pitchFamily="18" charset="0"/>
-              </a:rPr>
-              <a:t>κρυπτονομισμάτων.</a:t>
+              <a:t>παρέχει μόνο την δυνατότητα (οικονομικών) συναλλαγών κρυπτονομισμάτων.</a:t>
             </a:r>
           </a:p>
           <a:p>
@@ -11934,14 +11815,7 @@
                 <a:latin typeface="Times New Roman" panose="02020603050405020304" pitchFamily="18" charset="0"/>
                 <a:cs typeface="Times New Roman" panose="02020603050405020304" pitchFamily="18" charset="0"/>
               </a:rPr>
-              <a:t>Turing </a:t>
-            </a:r>
-            <a:r>
-              <a:rPr lang="en-US" sz="2200" b="1" dirty="0">
-                <a:latin typeface="Times New Roman" panose="02020603050405020304" pitchFamily="18" charset="0"/>
-                <a:cs typeface="Times New Roman" panose="02020603050405020304" pitchFamily="18" charset="0"/>
-              </a:rPr>
-              <a:t>complete</a:t>
+              <a:t>Turing complete</a:t>
             </a:r>
             <a:r>
               <a:rPr lang="el-GR" sz="2200" b="1" dirty="0">
@@ -11955,47 +11829,22 @@
                 <a:latin typeface="Times New Roman" panose="02020603050405020304" pitchFamily="18" charset="0"/>
                 <a:cs typeface="Times New Roman" panose="02020603050405020304" pitchFamily="18" charset="0"/>
               </a:rPr>
-              <a:t>, στην οποία κάθε κόμβος του δικτύου εκτελεί και καταγράφει τις ίδιες συναλλαγές, οι </a:t>
+              <a:t>, στην οποία κάθε κόμβος του δικτύου εκτελεί και καταγράφει τις ίδιες συναλλαγές, οι οποίες οργανώνονται σε μπλοκ και προστίθενται στο </a:t>
+            </a:r>
+            <a:r>
+              <a:rPr lang="en-US" sz="2200" dirty="0">
+                <a:latin typeface="Times New Roman" panose="02020603050405020304" pitchFamily="18" charset="0"/>
+                <a:cs typeface="Times New Roman" panose="02020603050405020304" pitchFamily="18" charset="0"/>
+              </a:rPr>
+              <a:t>blockchain</a:t>
             </a:r>
             <a:r>
               <a:rPr lang="el-GR" sz="2200" dirty="0">
                 <a:latin typeface="Times New Roman" panose="02020603050405020304" pitchFamily="18" charset="0"/>
                 <a:cs typeface="Times New Roman" panose="02020603050405020304" pitchFamily="18" charset="0"/>
               </a:rPr>
-              <a:t>οποίες </a:t>
-            </a:r>
-            <a:r>
-              <a:rPr lang="el-GR" sz="2200" dirty="0">
-                <a:latin typeface="Times New Roman" panose="02020603050405020304" pitchFamily="18" charset="0"/>
-                <a:cs typeface="Times New Roman" panose="02020603050405020304" pitchFamily="18" charset="0"/>
-              </a:rPr>
-              <a:t>οργανώνονται σε </a:t>
-            </a:r>
-            <a:r>
-              <a:rPr lang="el-GR" sz="2200" dirty="0">
-                <a:latin typeface="Times New Roman" panose="02020603050405020304" pitchFamily="18" charset="0"/>
-                <a:cs typeface="Times New Roman" panose="02020603050405020304" pitchFamily="18" charset="0"/>
-              </a:rPr>
-              <a:t>μπλοκ και προστίθενται στο </a:t>
-            </a:r>
-            <a:r>
-              <a:rPr lang="en-US" sz="2200" dirty="0">
-                <a:latin typeface="Times New Roman" panose="02020603050405020304" pitchFamily="18" charset="0"/>
-                <a:cs typeface="Times New Roman" panose="02020603050405020304" pitchFamily="18" charset="0"/>
-              </a:rPr>
-              <a:t>blockchain</a:t>
-            </a:r>
-            <a:r>
-              <a:rPr lang="el-GR" sz="2200" dirty="0">
-                <a:latin typeface="Times New Roman" panose="02020603050405020304" pitchFamily="18" charset="0"/>
-                <a:cs typeface="Times New Roman" panose="02020603050405020304" pitchFamily="18" charset="0"/>
-              </a:rPr>
               <a:t>.</a:t>
             </a:r>
-            <a:endParaRPr lang="el-GR" sz="2200" dirty="0">
-              <a:latin typeface="Times New Roman" panose="02020603050405020304" pitchFamily="18" charset="0"/>
-              <a:cs typeface="Times New Roman" panose="02020603050405020304" pitchFamily="18" charset="0"/>
-            </a:endParaRPr>
           </a:p>
         </p:txBody>
       </p:sp>
@@ -12140,10 +11989,6 @@
               </a:rPr>
               <a:t> Αφού πραγματοποιηθεί η αναζήτηση, εμφανίζονται στον χρήστη οι αισθητήρες μαζί με τα χαρακτηριστικά τους.</a:t>
             </a:r>
-            <a:endParaRPr lang="el-GR" sz="2000" dirty="0">
-              <a:latin typeface="Times New Roman" panose="02020603050405020304" pitchFamily="18" charset="0"/>
-              <a:cs typeface="Times New Roman" panose="02020603050405020304" pitchFamily="18" charset="0"/>
-            </a:endParaRPr>
           </a:p>
         </p:txBody>
       </p:sp>
@@ -12372,26 +12217,8 @@
                 <a:latin typeface="Times New Roman" panose="02020603050405020304" pitchFamily="18" charset="0"/>
                 <a:cs typeface="Times New Roman" panose="02020603050405020304" pitchFamily="18" charset="0"/>
               </a:rPr>
-              <a:t>, ώστε να αγοράσει δεδομένα για τον </a:t>
-            </a:r>
-            <a:r>
-              <a:rPr lang="el-GR" sz="2000" dirty="0">
-                <a:latin typeface="Times New Roman" panose="02020603050405020304" pitchFamily="18" charset="0"/>
-                <a:cs typeface="Times New Roman" panose="02020603050405020304" pitchFamily="18" charset="0"/>
-              </a:rPr>
-              <a:t>ε</a:t>
-            </a:r>
-            <a:r>
-              <a:rPr lang="el-GR" sz="2000" dirty="0">
-                <a:latin typeface="Times New Roman" panose="02020603050405020304" pitchFamily="18" charset="0"/>
-                <a:cs typeface="Times New Roman" panose="02020603050405020304" pitchFamily="18" charset="0"/>
-              </a:rPr>
-              <a:t>πιλεγμένο αισθητήρα.</a:t>
-            </a:r>
-            <a:endParaRPr lang="el-GR" sz="2000" dirty="0">
-              <a:latin typeface="Times New Roman" panose="02020603050405020304" pitchFamily="18" charset="0"/>
-              <a:cs typeface="Times New Roman" panose="02020603050405020304" pitchFamily="18" charset="0"/>
-            </a:endParaRPr>
+              <a:t>, ώστε να αγοράσει δεδομένα για τον επιλεγμένο αισθητήρα.</a:t>
+            </a:r>
           </a:p>
         </p:txBody>
       </p:sp>
@@ -12636,10 +12463,6 @@
               </a:rPr>
               <a:t>καταχωρίσει σε αυτό έναν νέο αισθητήρα.</a:t>
             </a:r>
-            <a:endParaRPr lang="el-GR" sz="2000" dirty="0">
-              <a:latin typeface="Times New Roman" panose="02020603050405020304" pitchFamily="18" charset="0"/>
-              <a:cs typeface="Times New Roman" panose="02020603050405020304" pitchFamily="18" charset="0"/>
-            </a:endParaRPr>
           </a:p>
         </p:txBody>
       </p:sp>
@@ -12870,10 +12693,6 @@
               </a:rPr>
               <a:t>, ώστε να μεταβάλλει του αισθητήρα του.</a:t>
             </a:r>
-            <a:endParaRPr lang="el-GR" sz="2000" dirty="0">
-              <a:latin typeface="Times New Roman" panose="02020603050405020304" pitchFamily="18" charset="0"/>
-              <a:cs typeface="Times New Roman" panose="02020603050405020304" pitchFamily="18" charset="0"/>
-            </a:endParaRPr>
           </a:p>
         </p:txBody>
       </p:sp>
@@ -13053,21 +12872,7 @@
                 <a:latin typeface="Times New Roman" panose="02020603050405020304" pitchFamily="18" charset="0"/>
                 <a:cs typeface="Times New Roman" panose="02020603050405020304" pitchFamily="18" charset="0"/>
               </a:rPr>
-              <a:t> Μέσω αυτής της σελίδας ο </a:t>
-            </a:r>
-            <a:r>
-              <a:rPr lang="el-GR" sz="2000" dirty="0">
-                <a:latin typeface="Times New Roman" panose="02020603050405020304" pitchFamily="18" charset="0"/>
-                <a:cs typeface="Times New Roman" panose="02020603050405020304" pitchFamily="18" charset="0"/>
-              </a:rPr>
-              <a:t>χρήστης μπορεί </a:t>
-            </a:r>
-            <a:r>
-              <a:rPr lang="el-GR" sz="2000" dirty="0">
-                <a:latin typeface="Times New Roman" panose="02020603050405020304" pitchFamily="18" charset="0"/>
-                <a:cs typeface="Times New Roman" panose="02020603050405020304" pitchFamily="18" charset="0"/>
-              </a:rPr>
-              <a:t>να</a:t>
+              <a:t> Μέσω αυτής της σελίδας ο χρήστης μπορεί να</a:t>
             </a:r>
             <a:r>
               <a:rPr lang="en-US" sz="2000" dirty="0">
@@ -13401,10 +13206,6 @@
               </a:rPr>
               <a:t>.</a:t>
             </a:r>
-            <a:endParaRPr lang="el-GR" sz="2000" dirty="0">
-              <a:latin typeface="Times New Roman" panose="02020603050405020304" pitchFamily="18" charset="0"/>
-              <a:cs typeface="Times New Roman" panose="02020603050405020304" pitchFamily="18" charset="0"/>
-            </a:endParaRPr>
           </a:p>
         </p:txBody>
       </p:sp>
@@ -13677,56 +13478,28 @@
                 <a:latin typeface="Times New Roman" panose="02020603050405020304" pitchFamily="18" charset="0"/>
                 <a:cs typeface="Times New Roman" panose="02020603050405020304" pitchFamily="18" charset="0"/>
               </a:rPr>
-              <a:t>Open Weather </a:t>
+              <a:t>Open Weather Map,</a:t>
+            </a:r>
+            <a:r>
+              <a:rPr lang="el-GR" sz="2113" dirty="0">
+                <a:latin typeface="Times New Roman" panose="02020603050405020304" pitchFamily="18" charset="0"/>
+                <a:cs typeface="Times New Roman" panose="02020603050405020304" pitchFamily="18" charset="0"/>
+              </a:rPr>
+              <a:t> </a:t>
             </a:r>
             <a:r>
               <a:rPr lang="en-US" sz="2113" dirty="0">
                 <a:latin typeface="Times New Roman" panose="02020603050405020304" pitchFamily="18" charset="0"/>
                 <a:cs typeface="Times New Roman" panose="02020603050405020304" pitchFamily="18" charset="0"/>
               </a:rPr>
-              <a:t>Map,</a:t>
+              <a:t>The Weather Underground και Dark Sky</a:t>
             </a:r>
             <a:r>
               <a:rPr lang="el-GR" sz="2113" dirty="0">
                 <a:latin typeface="Times New Roman" panose="02020603050405020304" pitchFamily="18" charset="0"/>
                 <a:cs typeface="Times New Roman" panose="02020603050405020304" pitchFamily="18" charset="0"/>
               </a:rPr>
-              <a:t> </a:t>
-            </a:r>
-            <a:r>
-              <a:rPr lang="en-US" sz="2113" dirty="0">
-                <a:latin typeface="Times New Roman" panose="02020603050405020304" pitchFamily="18" charset="0"/>
-                <a:cs typeface="Times New Roman" panose="02020603050405020304" pitchFamily="18" charset="0"/>
-              </a:rPr>
-              <a:t>The </a:t>
-            </a:r>
-            <a:r>
-              <a:rPr lang="en-US" sz="2113" dirty="0">
-                <a:latin typeface="Times New Roman" panose="02020603050405020304" pitchFamily="18" charset="0"/>
-                <a:cs typeface="Times New Roman" panose="02020603050405020304" pitchFamily="18" charset="0"/>
-              </a:rPr>
-              <a:t>Weather Underground και </a:t>
-            </a:r>
-            <a:r>
-              <a:rPr lang="en-US" sz="2113" dirty="0">
-                <a:latin typeface="Times New Roman" panose="02020603050405020304" pitchFamily="18" charset="0"/>
-                <a:cs typeface="Times New Roman" panose="02020603050405020304" pitchFamily="18" charset="0"/>
-              </a:rPr>
-              <a:t>Dark Sky</a:t>
-            </a:r>
-            <a:r>
-              <a:rPr lang="el-GR" sz="2113" dirty="0">
-                <a:latin typeface="Times New Roman" panose="02020603050405020304" pitchFamily="18" charset="0"/>
-                <a:cs typeface="Times New Roman" panose="02020603050405020304" pitchFamily="18" charset="0"/>
-              </a:rPr>
-              <a:t> </a:t>
-            </a:r>
-            <a:r>
-              <a:rPr lang="el-GR" sz="2113" dirty="0">
-                <a:latin typeface="Times New Roman" panose="02020603050405020304" pitchFamily="18" charset="0"/>
-                <a:cs typeface="Times New Roman" panose="02020603050405020304" pitchFamily="18" charset="0"/>
-              </a:rPr>
-              <a:t>και στην συνέχεια τα αποθηκεύουν σε μία βάση δεδομένων.</a:t>
+              <a:t> και στην συνέχεια τα αποθηκεύουν σε μία βάση δεδομένων.</a:t>
             </a:r>
           </a:p>
         </p:txBody>
@@ -13798,10 +13571,6 @@
               </a:rPr>
               <a:t>Node-RED</a:t>
             </a:r>
-            <a:endParaRPr lang="en-US" sz="1600" dirty="0">
-              <a:latin typeface="Times New Roman" panose="02020603050405020304" pitchFamily="18" charset="0"/>
-              <a:cs typeface="Times New Roman" panose="02020603050405020304" pitchFamily="18" charset="0"/>
-            </a:endParaRPr>
           </a:p>
         </p:txBody>
       </p:sp>
@@ -15553,6 +15322,13 @@
                 <a:latin typeface="Times New Roman" panose="02020603050405020304" pitchFamily="18" charset="0"/>
                 <a:cs typeface="Times New Roman" panose="02020603050405020304" pitchFamily="18" charset="0"/>
               </a:rPr>
+              <a:t> λαμβάνουν, διαδίδουν, επικυρώνουν και εκτελούν συναλλαγές.</a:t>
+            </a:r>
+            <a:r>
+              <a:rPr lang="en-US" sz="2200" dirty="0">
+                <a:latin typeface="Times New Roman" panose="02020603050405020304" pitchFamily="18" charset="0"/>
+                <a:cs typeface="Times New Roman" panose="02020603050405020304" pitchFamily="18" charset="0"/>
+              </a:rPr>
               <a:t> </a:t>
             </a:r>
             <a:r>
@@ -15560,42 +15336,7 @@
                 <a:latin typeface="Times New Roman" panose="02020603050405020304" pitchFamily="18" charset="0"/>
                 <a:cs typeface="Times New Roman" panose="02020603050405020304" pitchFamily="18" charset="0"/>
               </a:rPr>
-              <a:t>λαμβάνουν</a:t>
-            </a:r>
-            <a:r>
-              <a:rPr lang="el-GR" sz="2200" dirty="0">
-                <a:latin typeface="Times New Roman" panose="02020603050405020304" pitchFamily="18" charset="0"/>
-                <a:cs typeface="Times New Roman" panose="02020603050405020304" pitchFamily="18" charset="0"/>
-              </a:rPr>
-              <a:t>, διαδίδουν, επικυρώνουν και εκτελούν </a:t>
-            </a:r>
-            <a:r>
-              <a:rPr lang="el-GR" sz="2200" dirty="0">
-                <a:latin typeface="Times New Roman" panose="02020603050405020304" pitchFamily="18" charset="0"/>
-                <a:cs typeface="Times New Roman" panose="02020603050405020304" pitchFamily="18" charset="0"/>
-              </a:rPr>
-              <a:t>συναλλαγές.</a:t>
-            </a:r>
-            <a:r>
-              <a:rPr lang="en-US" sz="2200" dirty="0">
-                <a:latin typeface="Times New Roman" panose="02020603050405020304" pitchFamily="18" charset="0"/>
-                <a:cs typeface="Times New Roman" panose="02020603050405020304" pitchFamily="18" charset="0"/>
-              </a:rPr>
-              <a:t> </a:t>
-            </a:r>
-            <a:r>
-              <a:rPr lang="el-GR" sz="2200" dirty="0">
-                <a:latin typeface="Times New Roman" panose="02020603050405020304" pitchFamily="18" charset="0"/>
-                <a:cs typeface="Times New Roman" panose="02020603050405020304" pitchFamily="18" charset="0"/>
-              </a:rPr>
-              <a:t>Συγκεντρώνουν </a:t>
-            </a:r>
-            <a:r>
-              <a:rPr lang="el-GR" sz="2200" dirty="0">
-                <a:latin typeface="Times New Roman" panose="02020603050405020304" pitchFamily="18" charset="0"/>
-                <a:cs typeface="Times New Roman" panose="02020603050405020304" pitchFamily="18" charset="0"/>
-              </a:rPr>
-              <a:t>ορισμένες συναλλαγές κάθε φορά σε μπλοκ και στη συνέχεια το εισάγουν στο </a:t>
+              <a:t>Συγκεντρώνουν ορισμένες συναλλαγές κάθε φορά σε μπλοκ και στη συνέχεια το εισάγουν στο </a:t>
             </a:r>
             <a:r>
               <a:rPr lang="en-US" sz="2200" dirty="0">
@@ -15635,28 +15376,7 @@
                 <a:latin typeface="Times New Roman" panose="02020603050405020304" pitchFamily="18" charset="0"/>
                 <a:cs typeface="Times New Roman" panose="02020603050405020304" pitchFamily="18" charset="0"/>
               </a:rPr>
-              <a:t>εισάγει </a:t>
-            </a:r>
-            <a:r>
-              <a:rPr lang="el-GR" sz="2200" dirty="0">
-                <a:latin typeface="Times New Roman" panose="02020603050405020304" pitchFamily="18" charset="0"/>
-                <a:cs typeface="Times New Roman" panose="02020603050405020304" pitchFamily="18" charset="0"/>
-              </a:rPr>
-              <a:t>ένα </a:t>
-            </a:r>
-            <a:r>
-              <a:rPr lang="el-GR" sz="2200" dirty="0">
-                <a:latin typeface="Times New Roman" panose="02020603050405020304" pitchFamily="18" charset="0"/>
-                <a:cs typeface="Times New Roman" panose="02020603050405020304" pitchFamily="18" charset="0"/>
-              </a:rPr>
-              <a:t>νέο μπλοκ </a:t>
-            </a:r>
-            <a:r>
-              <a:rPr lang="el-GR" sz="2200" dirty="0">
-                <a:latin typeface="Times New Roman" panose="02020603050405020304" pitchFamily="18" charset="0"/>
-                <a:cs typeface="Times New Roman" panose="02020603050405020304" pitchFamily="18" charset="0"/>
-              </a:rPr>
-              <a:t>στο </a:t>
+              <a:t>εισάγει ένα νέο μπλοκ στο </a:t>
             </a:r>
             <a:r>
               <a:rPr lang="en-US" sz="2200" dirty="0">
@@ -15707,14 +15427,7 @@
                 <a:latin typeface="Times New Roman" panose="02020603050405020304" pitchFamily="18" charset="0"/>
                 <a:cs typeface="Times New Roman" panose="02020603050405020304" pitchFamily="18" charset="0"/>
               </a:rPr>
-              <a:t>Proof of </a:t>
-            </a:r>
-            <a:r>
-              <a:rPr lang="en-US" sz="2200" dirty="0">
-                <a:latin typeface="Times New Roman" panose="02020603050405020304" pitchFamily="18" charset="0"/>
-                <a:cs typeface="Times New Roman" panose="02020603050405020304" pitchFamily="18" charset="0"/>
-              </a:rPr>
-              <a:t>Work), </a:t>
+              <a:t>Proof of Work), </a:t>
             </a:r>
             <a:r>
               <a:rPr lang="el-GR" sz="2200" dirty="0">
@@ -17035,15 +16748,6 @@
 </file>
 
 <file path=customXml/item2.xml><?xml version="1.0" encoding="utf-8"?>
-<?mso-contentType ?>
-<FormTemplates xmlns="http://schemas.microsoft.com/sharepoint/v3/contenttype/forms">
-  <Display>DocumentLibraryForm</Display>
-  <Edit>DocumentLibraryForm</Edit>
-  <New>DocumentLibraryForm</New>
-</FormTemplates>
-</file>
-
-<file path=customXml/item3.xml><?xml version="1.0" encoding="utf-8"?>
 <ct:contentTypeSchema xmlns:ct="http://schemas.microsoft.com/office/2006/metadata/contentType" xmlns:ma="http://schemas.microsoft.com/office/2006/metadata/properties/metaAttributes" ct:_="" ma:_="" ma:contentTypeName="Document" ma:contentTypeID="0x010100AA3F7D94069FF64A86F7DFF56D60E3BE" ma:contentTypeVersion="6" ma:contentTypeDescription="Create a new document." ma:contentTypeScope="" ma:versionID="c32302c77d4085ecf495bdddb7f5e889">
   <xsd:schema xmlns:xsd="http://www.w3.org/2001/XMLSchema" xmlns:xs="http://www.w3.org/2001/XMLSchema" xmlns:p="http://schemas.microsoft.com/office/2006/metadata/properties" xmlns:ns2="a4f35948-e619-41b3-aa29-22878b09cfd2" xmlns:ns3="40262f94-9f35-4ac3-9a90-690165a166b7" targetNamespace="http://schemas.microsoft.com/office/2006/metadata/properties" ma:root="true" ma:fieldsID="4ab5ae46be95f9d0be6107e8200be7a2" ns2:_="" ns3:_="">
     <xsd:import namespace="a4f35948-e619-41b3-aa29-22878b09cfd2"/>
@@ -17224,6 +16928,15 @@
 </ct:contentTypeSchema>
 </file>
 
+<file path=customXml/item3.xml><?xml version="1.0" encoding="utf-8"?>
+<?mso-contentType ?>
+<FormTemplates xmlns="http://schemas.microsoft.com/sharepoint/v3/contenttype/forms">
+  <Display>DocumentLibraryForm</Display>
+  <Edit>DocumentLibraryForm</Edit>
+  <New>DocumentLibraryForm</New>
+</FormTemplates>
+</file>
+
 <file path=customXml/itemProps1.xml><?xml version="1.0" encoding="utf-8"?>
 <ds:datastoreItem xmlns:ds="http://schemas.openxmlformats.org/officeDocument/2006/customXml" ds:itemID="{40B0D886-CB8D-4564-A797-C05BC7D513A8}">
   <ds:schemaRefs>
@@ -17242,14 +16955,6 @@
 </file>
 
 <file path=customXml/itemProps2.xml><?xml version="1.0" encoding="utf-8"?>
-<ds:datastoreItem xmlns:ds="http://schemas.openxmlformats.org/officeDocument/2006/customXml" ds:itemID="{FAC2023F-644C-4F7E-8E8C-CDBE4A63C7D1}">
-  <ds:schemaRefs>
-    <ds:schemaRef ds:uri="http://schemas.microsoft.com/sharepoint/v3/contenttype/forms"/>
-  </ds:schemaRefs>
-</ds:datastoreItem>
-</file>
-
-<file path=customXml/itemProps3.xml><?xml version="1.0" encoding="utf-8"?>
 <ds:datastoreItem xmlns:ds="http://schemas.openxmlformats.org/officeDocument/2006/customXml" ds:itemID="{ED65A2C9-CB67-4F36-A412-EEC1AD297F3A}">
   <ds:schemaRefs>
     <ds:schemaRef ds:uri="http://schemas.microsoft.com/office/2006/metadata/contentType"/>
@@ -17266,4 +16971,12 @@
     <ds:schemaRef ds:uri="http://schemas.microsoft.com/internal/obd"/>
   </ds:schemaRefs>
 </ds:datastoreItem>
+</file>
+
+<file path=customXml/itemProps3.xml><?xml version="1.0" encoding="utf-8"?>
+<ds:datastoreItem xmlns:ds="http://schemas.openxmlformats.org/officeDocument/2006/customXml" ds:itemID="{FAC2023F-644C-4F7E-8E8C-CDBE4A63C7D1}">
+  <ds:schemaRefs>
+    <ds:schemaRef ds:uri="http://schemas.microsoft.com/sharepoint/v3/contenttype/forms"/>
+  </ds:schemaRefs>
+</ds:datastoreItem>
 </file>